--- a/images/cells_confusion.pptx
+++ b/images/cells_confusion.pptx
@@ -112,10 +112,6 @@
 </p:presentation>
 </file>
 
-<file path=ppt/revisionInfo.xml><?xml version="1.0" encoding="utf-8"?>
-<p1510:revInfo xmlns:a="http://schemas.openxmlformats.org/drawingml/2006/main" xmlns:r="http://schemas.openxmlformats.org/officeDocument/2006/relationships" xmlns:p1510="http://schemas.microsoft.com/office/powerpoint/2015/10/main"/>
-</file>
-
 <file path=ppt/slideLayouts/slideLayout1.xml><?xml version="1.0" encoding="utf-8"?>
 <p:sldLayout xmlns:a="http://schemas.openxmlformats.org/drawingml/2006/main" xmlns:r="http://schemas.openxmlformats.org/officeDocument/2006/relationships" xmlns:p="http://schemas.openxmlformats.org/presentationml/2006/main" type="title" preserve="1">
   <p:cSld name="Titelfolie">
@@ -263,7 +259,7 @@
           <a:p>
             <a:fld id="{44BDF8EB-5B31-4BC2-9F36-A65570D1A6C3}" type="datetimeFigureOut">
               <a:rPr lang="de-DE" smtClean="0"/>
-              <a:t>02.02.2018</a:t>
+              <a:t>12.02.2018</a:t>
             </a:fld>
             <a:endParaRPr lang="de-DE"/>
           </a:p>
@@ -461,7 +457,7 @@
           <a:p>
             <a:fld id="{44BDF8EB-5B31-4BC2-9F36-A65570D1A6C3}" type="datetimeFigureOut">
               <a:rPr lang="de-DE" smtClean="0"/>
-              <a:t>02.02.2018</a:t>
+              <a:t>12.02.2018</a:t>
             </a:fld>
             <a:endParaRPr lang="de-DE"/>
           </a:p>
@@ -669,7 +665,7 @@
           <a:p>
             <a:fld id="{44BDF8EB-5B31-4BC2-9F36-A65570D1A6C3}" type="datetimeFigureOut">
               <a:rPr lang="de-DE" smtClean="0"/>
-              <a:t>02.02.2018</a:t>
+              <a:t>12.02.2018</a:t>
             </a:fld>
             <a:endParaRPr lang="de-DE"/>
           </a:p>
@@ -867,7 +863,7 @@
           <a:p>
             <a:fld id="{44BDF8EB-5B31-4BC2-9F36-A65570D1A6C3}" type="datetimeFigureOut">
               <a:rPr lang="de-DE" smtClean="0"/>
-              <a:t>02.02.2018</a:t>
+              <a:t>12.02.2018</a:t>
             </a:fld>
             <a:endParaRPr lang="de-DE"/>
           </a:p>
@@ -1142,7 +1138,7 @@
           <a:p>
             <a:fld id="{44BDF8EB-5B31-4BC2-9F36-A65570D1A6C3}" type="datetimeFigureOut">
               <a:rPr lang="de-DE" smtClean="0"/>
-              <a:t>02.02.2018</a:t>
+              <a:t>12.02.2018</a:t>
             </a:fld>
             <a:endParaRPr lang="de-DE"/>
           </a:p>
@@ -1407,7 +1403,7 @@
           <a:p>
             <a:fld id="{44BDF8EB-5B31-4BC2-9F36-A65570D1A6C3}" type="datetimeFigureOut">
               <a:rPr lang="de-DE" smtClean="0"/>
-              <a:t>02.02.2018</a:t>
+              <a:t>12.02.2018</a:t>
             </a:fld>
             <a:endParaRPr lang="de-DE"/>
           </a:p>
@@ -1819,7 +1815,7 @@
           <a:p>
             <a:fld id="{44BDF8EB-5B31-4BC2-9F36-A65570D1A6C3}" type="datetimeFigureOut">
               <a:rPr lang="de-DE" smtClean="0"/>
-              <a:t>02.02.2018</a:t>
+              <a:t>12.02.2018</a:t>
             </a:fld>
             <a:endParaRPr lang="de-DE"/>
           </a:p>
@@ -1960,7 +1956,7 @@
           <a:p>
             <a:fld id="{44BDF8EB-5B31-4BC2-9F36-A65570D1A6C3}" type="datetimeFigureOut">
               <a:rPr lang="de-DE" smtClean="0"/>
-              <a:t>02.02.2018</a:t>
+              <a:t>12.02.2018</a:t>
             </a:fld>
             <a:endParaRPr lang="de-DE"/>
           </a:p>
@@ -2073,7 +2069,7 @@
           <a:p>
             <a:fld id="{44BDF8EB-5B31-4BC2-9F36-A65570D1A6C3}" type="datetimeFigureOut">
               <a:rPr lang="de-DE" smtClean="0"/>
-              <a:t>02.02.2018</a:t>
+              <a:t>12.02.2018</a:t>
             </a:fld>
             <a:endParaRPr lang="de-DE"/>
           </a:p>
@@ -2384,7 +2380,7 @@
           <a:p>
             <a:fld id="{44BDF8EB-5B31-4BC2-9F36-A65570D1A6C3}" type="datetimeFigureOut">
               <a:rPr lang="de-DE" smtClean="0"/>
-              <a:t>02.02.2018</a:t>
+              <a:t>12.02.2018</a:t>
             </a:fld>
             <a:endParaRPr lang="de-DE"/>
           </a:p>
@@ -2672,7 +2668,7 @@
           <a:p>
             <a:fld id="{44BDF8EB-5B31-4BC2-9F36-A65570D1A6C3}" type="datetimeFigureOut">
               <a:rPr lang="de-DE" smtClean="0"/>
-              <a:t>02.02.2018</a:t>
+              <a:t>12.02.2018</a:t>
             </a:fld>
             <a:endParaRPr lang="de-DE"/>
           </a:p>
@@ -2913,7 +2909,7 @@
           <a:p>
             <a:fld id="{44BDF8EB-5B31-4BC2-9F36-A65570D1A6C3}" type="datetimeFigureOut">
               <a:rPr lang="de-DE" smtClean="0"/>
-              <a:t>02.02.2018</a:t>
+              <a:t>12.02.2018</a:t>
             </a:fld>
             <a:endParaRPr lang="de-DE"/>
           </a:p>
@@ -3424,9 +3420,8 @@
               <a:avLst/>
             </a:prstGeom>
             <a:solidFill>
-              <a:schemeClr val="tx2">
-                <a:lumMod val="20000"/>
-                <a:lumOff val="80000"/>
+              <a:schemeClr val="bg1">
+                <a:lumMod val="50000"/>
               </a:schemeClr>
             </a:solidFill>
             <a:ln>
@@ -3456,7 +3451,7 @@
             <a:lstStyle/>
             <a:p>
               <a:pPr algn="ctr"/>
-              <a:endParaRPr lang="de-DE"/>
+              <a:endParaRPr lang="de-DE" dirty="0"/>
             </a:p>
           </p:txBody>
         </p:sp>
@@ -3555,9 +3550,8 @@
               <a:avLst/>
             </a:prstGeom>
             <a:solidFill>
-              <a:schemeClr val="accent6">
-                <a:lumMod val="20000"/>
-                <a:lumOff val="80000"/>
+              <a:schemeClr val="bg1">
+                <a:lumMod val="75000"/>
               </a:schemeClr>
             </a:solidFill>
             <a:ln>
@@ -3587,7 +3581,7 @@
             <a:lstStyle/>
             <a:p>
               <a:pPr algn="ctr"/>
-              <a:endParaRPr lang="de-DE"/>
+              <a:endParaRPr lang="de-DE" dirty="0"/>
             </a:p>
           </p:txBody>
         </p:sp>
@@ -3729,9 +3723,8 @@
               <a:avLst/>
             </a:prstGeom>
             <a:solidFill>
-              <a:schemeClr val="accent6">
-                <a:lumMod val="20000"/>
-                <a:lumOff val="80000"/>
+              <a:schemeClr val="bg1">
+                <a:lumMod val="75000"/>
               </a:schemeClr>
             </a:solidFill>
             <a:ln>
@@ -3860,9 +3853,8 @@
               <a:avLst/>
             </a:prstGeom>
             <a:solidFill>
-              <a:schemeClr val="tx2">
-                <a:lumMod val="20000"/>
-                <a:lumOff val="80000"/>
+              <a:schemeClr val="bg1">
+                <a:lumMod val="50000"/>
               </a:schemeClr>
             </a:solidFill>
             <a:ln>
@@ -3991,9 +3983,8 @@
               <a:avLst/>
             </a:prstGeom>
             <a:solidFill>
-              <a:schemeClr val="tx2">
-                <a:lumMod val="20000"/>
-                <a:lumOff val="80000"/>
+              <a:schemeClr val="bg1">
+                <a:lumMod val="50000"/>
               </a:schemeClr>
             </a:solidFill>
             <a:ln>
@@ -4122,9 +4113,8 @@
               <a:avLst/>
             </a:prstGeom>
             <a:solidFill>
-              <a:schemeClr val="accent6">
-                <a:lumMod val="20000"/>
-                <a:lumOff val="80000"/>
+              <a:schemeClr val="bg1">
+                <a:lumMod val="75000"/>
               </a:schemeClr>
             </a:solidFill>
             <a:ln>
@@ -4253,9 +4243,8 @@
               <a:avLst/>
             </a:prstGeom>
             <a:solidFill>
-              <a:schemeClr val="accent2">
-                <a:lumMod val="20000"/>
-                <a:lumOff val="80000"/>
+              <a:schemeClr val="bg1">
+                <a:lumMod val="95000"/>
               </a:schemeClr>
             </a:solidFill>
             <a:ln>
